--- a/Android/ANDROID 101.pptx
+++ b/Android/ANDROID 101.pptx
@@ -11,12 +11,13 @@
     <p:sldId id="258" r:id="rId5"/>
     <p:sldId id="259" r:id="rId6"/>
     <p:sldId id="260" r:id="rId7"/>
-    <p:sldId id="261" r:id="rId8"/>
-    <p:sldId id="262" r:id="rId9"/>
-    <p:sldId id="263" r:id="rId10"/>
-    <p:sldId id="264" r:id="rId11"/>
-    <p:sldId id="267" r:id="rId12"/>
-    <p:sldId id="268" r:id="rId13"/>
+    <p:sldId id="271" r:id="rId8"/>
+    <p:sldId id="261" r:id="rId9"/>
+    <p:sldId id="262" r:id="rId10"/>
+    <p:sldId id="263" r:id="rId11"/>
+    <p:sldId id="264" r:id="rId12"/>
+    <p:sldId id="267" r:id="rId13"/>
+    <p:sldId id="268" r:id="rId14"/>
   </p:sldIdLst>
   <p:sldSz cx="9144000" cy="6858000" type="screen4x3"/>
   <p:notesSz cx="6858000" cy="9144000"/>
@@ -315,7 +316,7 @@
           <a:p>
             <a:fld id="{55D3D040-9E25-4465-9529-11846676276F}" type="datetimeFigureOut">
               <a:rPr lang="en-GB" smtClean="0"/>
-              <a:t>21/07/2017</a:t>
+              <a:t>22/07/2017</a:t>
             </a:fld>
             <a:endParaRPr lang="en-GB"/>
           </a:p>
@@ -485,7 +486,7 @@
           <a:p>
             <a:fld id="{55D3D040-9E25-4465-9529-11846676276F}" type="datetimeFigureOut">
               <a:rPr lang="en-GB" smtClean="0"/>
-              <a:t>21/07/2017</a:t>
+              <a:t>22/07/2017</a:t>
             </a:fld>
             <a:endParaRPr lang="en-GB"/>
           </a:p>
@@ -665,7 +666,7 @@
           <a:p>
             <a:fld id="{55D3D040-9E25-4465-9529-11846676276F}" type="datetimeFigureOut">
               <a:rPr lang="en-GB" smtClean="0"/>
-              <a:t>21/07/2017</a:t>
+              <a:t>22/07/2017</a:t>
             </a:fld>
             <a:endParaRPr lang="en-GB"/>
           </a:p>
@@ -835,7 +836,7 @@
           <a:p>
             <a:fld id="{55D3D040-9E25-4465-9529-11846676276F}" type="datetimeFigureOut">
               <a:rPr lang="en-GB" smtClean="0"/>
-              <a:t>21/07/2017</a:t>
+              <a:t>22/07/2017</a:t>
             </a:fld>
             <a:endParaRPr lang="en-GB"/>
           </a:p>
@@ -1081,7 +1082,7 @@
           <a:p>
             <a:fld id="{55D3D040-9E25-4465-9529-11846676276F}" type="datetimeFigureOut">
               <a:rPr lang="en-GB" smtClean="0"/>
-              <a:t>21/07/2017</a:t>
+              <a:t>22/07/2017</a:t>
             </a:fld>
             <a:endParaRPr lang="en-GB"/>
           </a:p>
@@ -1369,7 +1370,7 @@
           <a:p>
             <a:fld id="{55D3D040-9E25-4465-9529-11846676276F}" type="datetimeFigureOut">
               <a:rPr lang="en-GB" smtClean="0"/>
-              <a:t>21/07/2017</a:t>
+              <a:t>22/07/2017</a:t>
             </a:fld>
             <a:endParaRPr lang="en-GB"/>
           </a:p>
@@ -1791,7 +1792,7 @@
           <a:p>
             <a:fld id="{55D3D040-9E25-4465-9529-11846676276F}" type="datetimeFigureOut">
               <a:rPr lang="en-GB" smtClean="0"/>
-              <a:t>21/07/2017</a:t>
+              <a:t>22/07/2017</a:t>
             </a:fld>
             <a:endParaRPr lang="en-GB"/>
           </a:p>
@@ -1909,7 +1910,7 @@
           <a:p>
             <a:fld id="{55D3D040-9E25-4465-9529-11846676276F}" type="datetimeFigureOut">
               <a:rPr lang="en-GB" smtClean="0"/>
-              <a:t>21/07/2017</a:t>
+              <a:t>22/07/2017</a:t>
             </a:fld>
             <a:endParaRPr lang="en-GB"/>
           </a:p>
@@ -2004,7 +2005,7 @@
           <a:p>
             <a:fld id="{55D3D040-9E25-4465-9529-11846676276F}" type="datetimeFigureOut">
               <a:rPr lang="en-GB" smtClean="0"/>
-              <a:t>21/07/2017</a:t>
+              <a:t>22/07/2017</a:t>
             </a:fld>
             <a:endParaRPr lang="en-GB"/>
           </a:p>
@@ -2281,7 +2282,7 @@
           <a:p>
             <a:fld id="{55D3D040-9E25-4465-9529-11846676276F}" type="datetimeFigureOut">
               <a:rPr lang="en-GB" smtClean="0"/>
-              <a:t>21/07/2017</a:t>
+              <a:t>22/07/2017</a:t>
             </a:fld>
             <a:endParaRPr lang="en-GB"/>
           </a:p>
@@ -2534,7 +2535,7 @@
           <a:p>
             <a:fld id="{55D3D040-9E25-4465-9529-11846676276F}" type="datetimeFigureOut">
               <a:rPr lang="en-GB" smtClean="0"/>
-              <a:t>21/07/2017</a:t>
+              <a:t>22/07/2017</a:t>
             </a:fld>
             <a:endParaRPr lang="en-GB"/>
           </a:p>
@@ -2747,7 +2748,7 @@
           <a:p>
             <a:fld id="{55D3D040-9E25-4465-9529-11846676276F}" type="datetimeFigureOut">
               <a:rPr lang="en-GB" smtClean="0"/>
-              <a:t>21/07/2017</a:t>
+              <a:t>22/07/2017</a:t>
             </a:fld>
             <a:endParaRPr lang="en-GB"/>
           </a:p>
@@ -3257,7 +3258,7 @@
                   <a:srgbClr val="E92E0A"/>
                 </a:solidFill>
               </a:rPr>
-              <a:t>Button game</a:t>
+              <a:t>„Hello world”</a:t>
             </a:r>
             <a:endParaRPr lang="en-GB" dirty="0">
               <a:solidFill>
@@ -3277,21 +3278,29 @@
             <p:ph idx="1"/>
           </p:nvPr>
         </p:nvSpPr>
-        <p:spPr>
-          <a:xfrm>
-            <a:off x="457200" y="1600200"/>
-            <a:ext cx="8229600" cy="4853136"/>
-          </a:xfrm>
-        </p:spPr>
-        <p:txBody>
-          <a:bodyPr>
-            <a:normAutofit lnSpcReduction="10000"/>
-          </a:bodyPr>
+        <p:spPr/>
+        <p:txBody>
+          <a:bodyPr/>
           <a:lstStyle/>
           <a:p>
             <a:r>
               <a:rPr lang="hr-HR" dirty="0"/>
-              <a:t>Napravimo sad pravu aplikaciju </a:t>
+              <a:t>Od čega se sastoji aplikacija (projekt) u Android studiju ?</a:t>
+            </a:r>
+          </a:p>
+          <a:p>
+            <a:pPr marL="0" indent="0">
+              <a:buNone/>
+            </a:pPr>
+            <a:r>
+              <a:rPr lang="hr-HR" dirty="0"/>
+              <a:t> </a:t>
+            </a:r>
+          </a:p>
+          <a:p>
+            <a:r>
+              <a:rPr lang="hr-HR" dirty="0"/>
+              <a:t>Stavimo našu aplikaciju na mobitel </a:t>
             </a:r>
           </a:p>
           <a:p>
@@ -3300,29 +3309,14 @@
           <a:p>
             <a:r>
               <a:rPr lang="hr-HR" dirty="0"/>
-              <a:t>Na početnom zaslonu aplikacije nam se nudi početak igre i izlazak iz igre</a:t>
-            </a:r>
-          </a:p>
-          <a:p>
-            <a:endParaRPr lang="hr-HR" dirty="0"/>
-          </a:p>
-          <a:p>
+              <a:t>Ajmo se sad igrati malo: </a:t>
+            </a:r>
+          </a:p>
+          <a:p>
+            <a:pPr lvl="1"/>
             <a:r>
               <a:rPr lang="hr-HR" dirty="0"/>
-              <a:t>Igra se sastoji od gumba koji korisnik mora što prije stisnuti kako bi dobio što više bodova</a:t>
-            </a:r>
-          </a:p>
-          <a:p>
-            <a:endParaRPr lang="hr-HR" dirty="0"/>
-          </a:p>
-          <a:p>
-            <a:r>
-              <a:rPr lang="hr-HR"/>
-              <a:t>Nakon </a:t>
-            </a:r>
-            <a:r>
-              <a:rPr lang="hr-HR" dirty="0"/>
-              <a:t>pritiska gumb promjeni poziciju</a:t>
+              <a:t>Promjeniti pozadinu, ikonu aplikacije, položaj teksta, dodaj gumb koji mjenja boju teksta</a:t>
             </a:r>
             <a:endParaRPr lang="en-GB" dirty="0"/>
           </a:p>
@@ -3331,7 +3325,7 @@
     </p:spTree>
     <p:extLst>
       <p:ext uri="{BB962C8B-B14F-4D97-AF65-F5344CB8AC3E}">
-        <p14:creationId xmlns:p14="http://schemas.microsoft.com/office/powerpoint/2010/main" val="1033584236"/>
+        <p14:creationId xmlns:p14="http://schemas.microsoft.com/office/powerpoint/2010/main" val="4066305491"/>
       </p:ext>
     </p:extLst>
   </p:cSld>
@@ -3380,6 +3374,129 @@
                   <a:srgbClr val="E92E0A"/>
                 </a:solidFill>
               </a:rPr>
+              <a:t>Button game</a:t>
+            </a:r>
+            <a:endParaRPr lang="en-GB" dirty="0">
+              <a:solidFill>
+                <a:srgbClr val="E92E0A"/>
+              </a:solidFill>
+            </a:endParaRPr>
+          </a:p>
+        </p:txBody>
+      </p:sp>
+      <p:sp>
+        <p:nvSpPr>
+          <p:cNvPr id="3" name="Content Placeholder 2"/>
+          <p:cNvSpPr>
+            <a:spLocks noGrp="1"/>
+          </p:cNvSpPr>
+          <p:nvPr>
+            <p:ph idx="1"/>
+          </p:nvPr>
+        </p:nvSpPr>
+        <p:spPr>
+          <a:xfrm>
+            <a:off x="457200" y="1600200"/>
+            <a:ext cx="8229600" cy="4853136"/>
+          </a:xfrm>
+        </p:spPr>
+        <p:txBody>
+          <a:bodyPr>
+            <a:normAutofit lnSpcReduction="10000"/>
+          </a:bodyPr>
+          <a:lstStyle/>
+          <a:p>
+            <a:r>
+              <a:rPr lang="hr-HR" dirty="0"/>
+              <a:t>Napravimo sad pravu aplikaciju </a:t>
+            </a:r>
+          </a:p>
+          <a:p>
+            <a:endParaRPr lang="hr-HR" dirty="0"/>
+          </a:p>
+          <a:p>
+            <a:r>
+              <a:rPr lang="hr-HR" dirty="0"/>
+              <a:t>Na početnom zaslonu aplikacije nam se nudi početak igre i izlazak iz igre</a:t>
+            </a:r>
+          </a:p>
+          <a:p>
+            <a:endParaRPr lang="hr-HR" dirty="0"/>
+          </a:p>
+          <a:p>
+            <a:r>
+              <a:rPr lang="hr-HR" dirty="0"/>
+              <a:t>Igra se sastoji od gumba koji korisnik mora što prije stisnuti kako bi dobio što više bodova</a:t>
+            </a:r>
+          </a:p>
+          <a:p>
+            <a:endParaRPr lang="hr-HR" dirty="0"/>
+          </a:p>
+          <a:p>
+            <a:r>
+              <a:rPr lang="hr-HR"/>
+              <a:t>Nakon </a:t>
+            </a:r>
+            <a:r>
+              <a:rPr lang="hr-HR" dirty="0"/>
+              <a:t>pritiska gumb promjeni poziciju</a:t>
+            </a:r>
+            <a:endParaRPr lang="en-GB" dirty="0"/>
+          </a:p>
+        </p:txBody>
+      </p:sp>
+    </p:spTree>
+    <p:extLst>
+      <p:ext uri="{BB962C8B-B14F-4D97-AF65-F5344CB8AC3E}">
+        <p14:creationId xmlns:p14="http://schemas.microsoft.com/office/powerpoint/2010/main" val="1033584236"/>
+      </p:ext>
+    </p:extLst>
+  </p:cSld>
+  <p:clrMapOvr>
+    <a:masterClrMapping/>
+  </p:clrMapOvr>
+</p:sld>
+</file>
+
+<file path=ppt/slides/slide12.xml><?xml version="1.0" encoding="utf-8"?>
+<p:sld xmlns:a="http://schemas.openxmlformats.org/drawingml/2006/main" xmlns:r="http://schemas.openxmlformats.org/officeDocument/2006/relationships" xmlns:p="http://schemas.openxmlformats.org/presentationml/2006/main">
+  <p:cSld>
+    <p:spTree>
+      <p:nvGrpSpPr>
+        <p:cNvPr id="1" name=""/>
+        <p:cNvGrpSpPr/>
+        <p:nvPr/>
+      </p:nvGrpSpPr>
+      <p:grpSpPr>
+        <a:xfrm>
+          <a:off x="0" y="0"/>
+          <a:ext cx="0" cy="0"/>
+          <a:chOff x="0" y="0"/>
+          <a:chExt cx="0" cy="0"/>
+        </a:xfrm>
+      </p:grpSpPr>
+      <p:sp>
+        <p:nvSpPr>
+          <p:cNvPr id="2" name="Title 1"/>
+          <p:cNvSpPr>
+            <a:spLocks noGrp="1"/>
+          </p:cNvSpPr>
+          <p:nvPr>
+            <p:ph type="title"/>
+          </p:nvPr>
+        </p:nvSpPr>
+        <p:spPr/>
+        <p:txBody>
+          <a:bodyPr/>
+          <a:lstStyle/>
+          <a:p>
+            <a:pPr algn="l"/>
+            <a:r>
+              <a:rPr lang="hr-HR" dirty="0">
+                <a:solidFill>
+                  <a:srgbClr val="E92E0A"/>
+                </a:solidFill>
+              </a:rPr>
               <a:t>Što dalje ? </a:t>
             </a:r>
             <a:endParaRPr lang="en-GB" dirty="0">
@@ -3450,7 +3567,7 @@
 </p:sld>
 </file>
 
-<file path=ppt/slides/slide12.xml><?xml version="1.0" encoding="utf-8"?>
+<file path=ppt/slides/slide13.xml><?xml version="1.0" encoding="utf-8"?>
 <p:sld xmlns:a="http://schemas.openxmlformats.org/drawingml/2006/main" xmlns:r="http://schemas.openxmlformats.org/officeDocument/2006/relationships" xmlns:p="http://schemas.openxmlformats.org/presentationml/2006/main">
   <p:cSld>
     <p:spTree>
@@ -4134,6 +4251,59 @@
           <a:chExt cx="0" cy="0"/>
         </a:xfrm>
       </p:grpSpPr>
+      <p:pic>
+        <p:nvPicPr>
+          <p:cNvPr id="4" name="Slika 3"/>
+          <p:cNvPicPr>
+            <a:picLocks noChangeAspect="1"/>
+          </p:cNvPicPr>
+          <p:nvPr/>
+        </p:nvPicPr>
+        <p:blipFill rotWithShape="1">
+          <a:blip r:embed="rId2"/>
+          <a:srcRect l="12988" t="17451" r="14563" b="8001"/>
+          <a:stretch/>
+        </p:blipFill>
+        <p:spPr>
+          <a:xfrm>
+            <a:off x="0" y="0"/>
+            <a:ext cx="8964488" cy="6918246"/>
+          </a:xfrm>
+          <a:prstGeom prst="rect">
+            <a:avLst/>
+          </a:prstGeom>
+        </p:spPr>
+      </p:pic>
+    </p:spTree>
+    <p:extLst>
+      <p:ext uri="{BB962C8B-B14F-4D97-AF65-F5344CB8AC3E}">
+        <p14:creationId xmlns:p14="http://schemas.microsoft.com/office/powerpoint/2010/main" val="1498719201"/>
+      </p:ext>
+    </p:extLst>
+  </p:cSld>
+  <p:clrMapOvr>
+    <a:masterClrMapping/>
+  </p:clrMapOvr>
+</p:sld>
+</file>
+
+<file path=ppt/slides/slide8.xml><?xml version="1.0" encoding="utf-8"?>
+<p:sld xmlns:a="http://schemas.openxmlformats.org/drawingml/2006/main" xmlns:r="http://schemas.openxmlformats.org/officeDocument/2006/relationships" xmlns:p="http://schemas.openxmlformats.org/presentationml/2006/main">
+  <p:cSld>
+    <p:spTree>
+      <p:nvGrpSpPr>
+        <p:cNvPr id="1" name=""/>
+        <p:cNvGrpSpPr/>
+        <p:nvPr/>
+      </p:nvGrpSpPr>
+      <p:grpSpPr>
+        <a:xfrm>
+          <a:off x="0" y="0"/>
+          <a:ext cx="0" cy="0"/>
+          <a:chOff x="0" y="0"/>
+          <a:chExt cx="0" cy="0"/>
+        </a:xfrm>
+      </p:grpSpPr>
       <p:sp>
         <p:nvSpPr>
           <p:cNvPr id="2" name="Title 1"/>
@@ -4246,7 +4416,7 @@
 </p:sld>
 </file>
 
-<file path=ppt/slides/slide8.xml><?xml version="1.0" encoding="utf-8"?>
+<file path=ppt/slides/slide9.xml><?xml version="1.0" encoding="utf-8"?>
 <p:sld xmlns:a="http://schemas.openxmlformats.org/drawingml/2006/main" xmlns:r="http://schemas.openxmlformats.org/officeDocument/2006/relationships" xmlns:p="http://schemas.openxmlformats.org/presentationml/2006/main">
   <p:cSld>
     <p:bg>
@@ -4313,122 +4483,6 @@
     <p:extLst>
       <p:ext uri="{BB962C8B-B14F-4D97-AF65-F5344CB8AC3E}">
         <p14:creationId xmlns:p14="http://schemas.microsoft.com/office/powerpoint/2010/main" val="1154868273"/>
-      </p:ext>
-    </p:extLst>
-  </p:cSld>
-  <p:clrMapOvr>
-    <a:masterClrMapping/>
-  </p:clrMapOvr>
-</p:sld>
-</file>
-
-<file path=ppt/slides/slide9.xml><?xml version="1.0" encoding="utf-8"?>
-<p:sld xmlns:a="http://schemas.openxmlformats.org/drawingml/2006/main" xmlns:r="http://schemas.openxmlformats.org/officeDocument/2006/relationships" xmlns:p="http://schemas.openxmlformats.org/presentationml/2006/main">
-  <p:cSld>
-    <p:spTree>
-      <p:nvGrpSpPr>
-        <p:cNvPr id="1" name=""/>
-        <p:cNvGrpSpPr/>
-        <p:nvPr/>
-      </p:nvGrpSpPr>
-      <p:grpSpPr>
-        <a:xfrm>
-          <a:off x="0" y="0"/>
-          <a:ext cx="0" cy="0"/>
-          <a:chOff x="0" y="0"/>
-          <a:chExt cx="0" cy="0"/>
-        </a:xfrm>
-      </p:grpSpPr>
-      <p:sp>
-        <p:nvSpPr>
-          <p:cNvPr id="2" name="Title 1"/>
-          <p:cNvSpPr>
-            <a:spLocks noGrp="1"/>
-          </p:cNvSpPr>
-          <p:nvPr>
-            <p:ph type="title"/>
-          </p:nvPr>
-        </p:nvSpPr>
-        <p:spPr/>
-        <p:txBody>
-          <a:bodyPr/>
-          <a:lstStyle/>
-          <a:p>
-            <a:pPr algn="l"/>
-            <a:r>
-              <a:rPr lang="hr-HR" dirty="0">
-                <a:solidFill>
-                  <a:srgbClr val="E92E0A"/>
-                </a:solidFill>
-              </a:rPr>
-              <a:t>„Hello world”</a:t>
-            </a:r>
-            <a:endParaRPr lang="en-GB" dirty="0">
-              <a:solidFill>
-                <a:srgbClr val="E92E0A"/>
-              </a:solidFill>
-            </a:endParaRPr>
-          </a:p>
-        </p:txBody>
-      </p:sp>
-      <p:sp>
-        <p:nvSpPr>
-          <p:cNvPr id="3" name="Content Placeholder 2"/>
-          <p:cNvSpPr>
-            <a:spLocks noGrp="1"/>
-          </p:cNvSpPr>
-          <p:nvPr>
-            <p:ph idx="1"/>
-          </p:nvPr>
-        </p:nvSpPr>
-        <p:spPr/>
-        <p:txBody>
-          <a:bodyPr/>
-          <a:lstStyle/>
-          <a:p>
-            <a:r>
-              <a:rPr lang="hr-HR" dirty="0"/>
-              <a:t>Od čega se sastoji aplikacija (projekt) u Android studiju ?</a:t>
-            </a:r>
-          </a:p>
-          <a:p>
-            <a:pPr marL="0" indent="0">
-              <a:buNone/>
-            </a:pPr>
-            <a:r>
-              <a:rPr lang="hr-HR" dirty="0"/>
-              <a:t> </a:t>
-            </a:r>
-          </a:p>
-          <a:p>
-            <a:r>
-              <a:rPr lang="hr-HR" dirty="0"/>
-              <a:t>Stavimo našu aplikaciju na mobitel </a:t>
-            </a:r>
-          </a:p>
-          <a:p>
-            <a:endParaRPr lang="hr-HR" dirty="0"/>
-          </a:p>
-          <a:p>
-            <a:r>
-              <a:rPr lang="hr-HR" dirty="0"/>
-              <a:t>Ajmo se sad igrati malo: </a:t>
-            </a:r>
-          </a:p>
-          <a:p>
-            <a:pPr lvl="1"/>
-            <a:r>
-              <a:rPr lang="hr-HR" dirty="0"/>
-              <a:t>Promjeniti pozadinu, ikonu aplikacije, položaj teksta, dodaj gumb koji mjenja boju teksta</a:t>
-            </a:r>
-            <a:endParaRPr lang="en-GB" dirty="0"/>
-          </a:p>
-        </p:txBody>
-      </p:sp>
-    </p:spTree>
-    <p:extLst>
-      <p:ext uri="{BB962C8B-B14F-4D97-AF65-F5344CB8AC3E}">
-        <p14:creationId xmlns:p14="http://schemas.microsoft.com/office/powerpoint/2010/main" val="4066305491"/>
       </p:ext>
     </p:extLst>
   </p:cSld>
